--- a/User Manual/Presentation/HR Payroll V-0.1.pptx
+++ b/User Manual/Presentation/HR Payroll V-0.1.pptx
@@ -2235,8 +2235,8 @@
         </p:nvSpPr>
         <p:spPr>
           <a:xfrm>
-            <a:off x="2895600" y="2222500"/>
-            <a:ext cx="3352800" cy="743793"/>
+            <a:off x="72851" y="2520645"/>
+            <a:ext cx="8998298" cy="673711"/>
           </a:xfrm>
           <a:prstGeom prst="rect">
             <a:avLst/>
@@ -2254,16 +2254,16 @@
               </a:lnSpc>
             </a:pPr>
             <a:r>
-              <a:rPr lang="en-US" sz="4916" b="1" spc="-4" dirty="0">
+              <a:rPr lang="en-US" sz="4400" b="1" spc="-4" dirty="0" smtClean="0">
                 <a:solidFill>
                   <a:srgbClr val="FFFFFF"/>
                 </a:solidFill>
                 <a:latin typeface="Tahoma"/>
                 <a:cs typeface="Tahoma"/>
               </a:rPr>
-              <a:t>HR Payroll</a:t>
-            </a:r>
-            <a:endParaRPr sz="4916" dirty="0">
+              <a:t>Human Resource Management</a:t>
+            </a:r>
+            <a:endParaRPr sz="4400" dirty="0">
               <a:solidFill>
                 <a:prstClr val="black"/>
               </a:solidFill>
@@ -2281,8 +2281,8 @@
         </p:nvSpPr>
         <p:spPr>
           <a:xfrm>
-            <a:off x="3543300" y="3302000"/>
-            <a:ext cx="2057400" cy="410433"/>
+            <a:off x="3333750" y="3194356"/>
+            <a:ext cx="2476500" cy="410433"/>
           </a:xfrm>
           <a:prstGeom prst="rect">
             <a:avLst/>
@@ -2296,13 +2296,13 @@
           <a:p>
             <a:pPr marL="10583" algn="ctr"/>
             <a:r>
-              <a:rPr lang="en-US" sz="2667" b="1" spc="-4" dirty="0">
+              <a:rPr lang="en-US" sz="2667" b="1" spc="-4" dirty="0" smtClean="0">
                 <a:solidFill>
                   <a:srgbClr val="888888"/>
                 </a:solidFill>
                 <a:cs typeface="Calibri"/>
               </a:rPr>
-              <a:t>Genweb2 Ltd.</a:t>
+              <a:t>Matiar Rahman</a:t>
             </a:r>
             <a:endParaRPr sz="2667" dirty="0">
               <a:solidFill>
@@ -4274,7 +4274,7 @@
                 </a:solidFill>
                 <a:cs typeface="Calibri"/>
               </a:rPr>
-              <a:t>Create </a:t>
+              <a:t>Contribution </a:t>
             </a:r>
             <a:r>
               <a:rPr lang="en-US" dirty="0">
@@ -4283,7 +4283,7 @@
                 </a:solidFill>
                 <a:cs typeface="Calibri"/>
               </a:rPr>
-              <a:t>Contribution Registers	</a:t>
+              <a:t>Registers	</a:t>
             </a:r>
           </a:p>
           <a:p>
@@ -4296,13 +4296,22 @@
               </a:tabLst>
             </a:pPr>
             <a:r>
+              <a:rPr lang="en-US" dirty="0" smtClean="0">
+                <a:solidFill>
+                  <a:prstClr val="black"/>
+                </a:solidFill>
+                <a:cs typeface="Calibri"/>
+              </a:rPr>
+              <a:t>Salary </a:t>
+            </a:r>
+            <a:r>
               <a:rPr lang="en-US" dirty="0">
                 <a:solidFill>
                   <a:prstClr val="black"/>
                 </a:solidFill>
                 <a:cs typeface="Calibri"/>
               </a:rPr>
-              <a:t>Create Salary Rule Categories	</a:t>
+              <a:t>Rule Categories	</a:t>
             </a:r>
           </a:p>
           <a:p>
@@ -4315,13 +4324,22 @@
               </a:tabLst>
             </a:pPr>
             <a:r>
+              <a:rPr lang="en-US" dirty="0" smtClean="0">
+                <a:solidFill>
+                  <a:prstClr val="black"/>
+                </a:solidFill>
+                <a:cs typeface="Calibri"/>
+              </a:rPr>
+              <a:t>Salary </a:t>
+            </a:r>
+            <a:r>
               <a:rPr lang="en-US" dirty="0">
                 <a:solidFill>
                   <a:prstClr val="black"/>
                 </a:solidFill>
                 <a:cs typeface="Calibri"/>
               </a:rPr>
-              <a:t>Create Salary Rules	</a:t>
+              <a:t>Rules	</a:t>
             </a:r>
           </a:p>
           <a:p>
@@ -4334,13 +4352,22 @@
               </a:tabLst>
             </a:pPr>
             <a:r>
+              <a:rPr lang="en-US" dirty="0" smtClean="0">
+                <a:solidFill>
+                  <a:prstClr val="black"/>
+                </a:solidFill>
+                <a:cs typeface="Calibri"/>
+              </a:rPr>
+              <a:t>Salary </a:t>
+            </a:r>
+            <a:r>
               <a:rPr lang="en-US" dirty="0">
                 <a:solidFill>
                   <a:prstClr val="black"/>
                 </a:solidFill>
                 <a:cs typeface="Calibri"/>
               </a:rPr>
-              <a:t>Create Salary Structures</a:t>
+              <a:t>Structures</a:t>
             </a:r>
           </a:p>
           <a:p>
@@ -4353,14 +4380,20 @@
               </a:tabLst>
             </a:pPr>
             <a:r>
-              <a:rPr lang="en-US" dirty="0">
+              <a:rPr lang="en-US" dirty="0" smtClean="0">
                 <a:solidFill>
                   <a:prstClr val="black"/>
                 </a:solidFill>
                 <a:cs typeface="Calibri"/>
               </a:rPr>
-              <a:t>Creating Contracts</a:t>
-            </a:r>
+              <a:t>Contracts</a:t>
+            </a:r>
+            <a:endParaRPr lang="en-US" dirty="0">
+              <a:solidFill>
+                <a:prstClr val="black"/>
+              </a:solidFill>
+              <a:cs typeface="Calibri"/>
+            </a:endParaRPr>
           </a:p>
           <a:p>
             <a:pPr marL="439720" indent="-429136">
@@ -4372,13 +4405,22 @@
               </a:tabLst>
             </a:pPr>
             <a:r>
+              <a:rPr lang="en-US" dirty="0" smtClean="0">
+                <a:solidFill>
+                  <a:prstClr val="black"/>
+                </a:solidFill>
+                <a:cs typeface="Calibri"/>
+              </a:rPr>
+              <a:t>Meal </a:t>
+            </a:r>
+            <a:r>
               <a:rPr lang="en-US" dirty="0">
                 <a:solidFill>
                   <a:prstClr val="black"/>
                 </a:solidFill>
                 <a:cs typeface="Calibri"/>
               </a:rPr>
-              <a:t>Creating Meal Bills</a:t>
+              <a:t>Bills</a:t>
             </a:r>
           </a:p>
           <a:p>
@@ -4391,13 +4433,22 @@
               </a:tabLst>
             </a:pPr>
             <a:r>
+              <a:rPr lang="en-US" dirty="0" smtClean="0">
+                <a:solidFill>
+                  <a:prstClr val="black"/>
+                </a:solidFill>
+                <a:cs typeface="Calibri"/>
+              </a:rPr>
+              <a:t>Mobile </a:t>
+            </a:r>
+            <a:r>
               <a:rPr lang="en-US" dirty="0">
                 <a:solidFill>
                   <a:prstClr val="black"/>
                 </a:solidFill>
                 <a:cs typeface="Calibri"/>
               </a:rPr>
-              <a:t>Creating Mobile Bill Limits</a:t>
+              <a:t>Bill Limits</a:t>
             </a:r>
           </a:p>
           <a:p>
@@ -4410,13 +4461,22 @@
               </a:tabLst>
             </a:pPr>
             <a:r>
+              <a:rPr lang="en-US" dirty="0" smtClean="0">
+                <a:solidFill>
+                  <a:prstClr val="black"/>
+                </a:solidFill>
+                <a:cs typeface="Calibri"/>
+              </a:rPr>
+              <a:t>Mobile </a:t>
+            </a:r>
+            <a:r>
               <a:rPr lang="en-US" dirty="0">
                 <a:solidFill>
                   <a:prstClr val="black"/>
                 </a:solidFill>
                 <a:cs typeface="Calibri"/>
               </a:rPr>
-              <a:t>Creating Mobile Bills</a:t>
+              <a:t>Bills</a:t>
             </a:r>
           </a:p>
           <a:p>
@@ -4429,13 +4489,22 @@
               </a:tabLst>
             </a:pPr>
             <a:r>
+              <a:rPr lang="en-US" dirty="0" smtClean="0">
+                <a:solidFill>
+                  <a:prstClr val="black"/>
+                </a:solidFill>
+                <a:cs typeface="Calibri"/>
+              </a:rPr>
+              <a:t>Loan </a:t>
+            </a:r>
+            <a:r>
               <a:rPr lang="en-US" dirty="0">
                 <a:solidFill>
                   <a:prstClr val="black"/>
                 </a:solidFill>
                 <a:cs typeface="Calibri"/>
               </a:rPr>
-              <a:t>Create Loan Proof	</a:t>
+              <a:t>Proof	</a:t>
             </a:r>
           </a:p>
           <a:p>
@@ -4448,13 +4517,22 @@
               </a:tabLst>
             </a:pPr>
             <a:r>
+              <a:rPr lang="en-US" dirty="0" smtClean="0">
+                <a:solidFill>
+                  <a:prstClr val="black"/>
+                </a:solidFill>
+                <a:cs typeface="Calibri"/>
+              </a:rPr>
+              <a:t>Loan </a:t>
+            </a:r>
+            <a:r>
               <a:rPr lang="en-US" dirty="0">
                 <a:solidFill>
                   <a:prstClr val="black"/>
                 </a:solidFill>
                 <a:cs typeface="Calibri"/>
               </a:rPr>
-              <a:t>Create Loan Policies	</a:t>
+              <a:t>Policies	</a:t>
             </a:r>
           </a:p>
           <a:p>
@@ -4467,13 +4545,22 @@
               </a:tabLst>
             </a:pPr>
             <a:r>
+              <a:rPr lang="en-US" dirty="0" smtClean="0">
+                <a:solidFill>
+                  <a:prstClr val="black"/>
+                </a:solidFill>
+                <a:cs typeface="Calibri"/>
+              </a:rPr>
+              <a:t>Loan </a:t>
+            </a:r>
+            <a:r>
               <a:rPr lang="en-US" dirty="0">
                 <a:solidFill>
                   <a:prstClr val="black"/>
                 </a:solidFill>
                 <a:cs typeface="Calibri"/>
               </a:rPr>
-              <a:t>Create Loan Type	</a:t>
+              <a:t>Type	</a:t>
             </a:r>
           </a:p>
           <a:p>
@@ -4486,13 +4573,22 @@
               </a:tabLst>
             </a:pPr>
             <a:r>
+              <a:rPr lang="en-US" dirty="0" smtClean="0">
+                <a:solidFill>
+                  <a:prstClr val="black"/>
+                </a:solidFill>
+                <a:cs typeface="Calibri"/>
+              </a:rPr>
+              <a:t>Loan </a:t>
+            </a:r>
+            <a:r>
               <a:rPr lang="en-US" dirty="0">
                 <a:solidFill>
                   <a:prstClr val="black"/>
                 </a:solidFill>
                 <a:cs typeface="Calibri"/>
               </a:rPr>
-              <a:t>Create Loan Request	</a:t>
+              <a:t>Request	</a:t>
             </a:r>
           </a:p>
           <a:p>
@@ -4505,14 +4601,20 @@
               </a:tabLst>
             </a:pPr>
             <a:r>
-              <a:rPr lang="en-US" dirty="0">
+              <a:rPr lang="en-US" dirty="0" smtClean="0">
                 <a:solidFill>
                   <a:prstClr val="black"/>
                 </a:solidFill>
                 <a:cs typeface="Calibri"/>
               </a:rPr>
-              <a:t>Loan Request to Approve	</a:t>
-            </a:r>
+              <a:t>Loan Approval</a:t>
+            </a:r>
+            <a:endParaRPr lang="en-US" dirty="0">
+              <a:solidFill>
+                <a:prstClr val="black"/>
+              </a:solidFill>
+              <a:cs typeface="Calibri"/>
+            </a:endParaRPr>
           </a:p>
           <a:p>
             <a:pPr marL="439720" indent="-429136">
@@ -4530,7 +4632,7 @@
                 </a:solidFill>
                 <a:cs typeface="Calibri"/>
               </a:rPr>
-              <a:t>Loan to Disburse by </a:t>
+              <a:t>Loan </a:t>
             </a:r>
             <a:r>
               <a:rPr lang="en-US" dirty="0" smtClean="0">
@@ -4539,14 +4641,8 @@
                 </a:solidFill>
                 <a:cs typeface="Calibri"/>
               </a:rPr>
-              <a:t>Accountant</a:t>
-            </a:r>
-            <a:endParaRPr lang="en-US" dirty="0">
-              <a:solidFill>
-                <a:prstClr val="black"/>
-              </a:solidFill>
-              <a:cs typeface="Calibri"/>
-            </a:endParaRPr>
+              <a:t>Disbursement</a:t>
+            </a:r>
           </a:p>
           <a:p>
             <a:pPr marL="439720" indent="-429136">
@@ -4558,22 +4654,13 @@
               </a:tabLst>
             </a:pPr>
             <a:r>
-              <a:rPr lang="en-US" dirty="0">
+              <a:rPr lang="en-US" dirty="0" smtClean="0">
                 <a:solidFill>
                   <a:prstClr val="black"/>
                 </a:solidFill>
                 <a:cs typeface="Calibri"/>
               </a:rPr>
-              <a:t>Create Employee </a:t>
-            </a:r>
-            <a:r>
-              <a:rPr lang="en-US" dirty="0" err="1">
-                <a:solidFill>
-                  <a:prstClr val="black"/>
-                </a:solidFill>
-                <a:cs typeface="Calibri"/>
-              </a:rPr>
-              <a:t>Paysilips</a:t>
+              <a:t>Employee Payslip</a:t>
             </a:r>
             <a:r>
               <a:rPr lang="en-US" dirty="0">
@@ -4595,41 +4682,20 @@
               </a:tabLst>
             </a:pPr>
             <a:r>
-              <a:rPr lang="en-US" dirty="0">
+              <a:rPr lang="en-US" dirty="0" smtClean="0">
                 <a:solidFill>
                   <a:prstClr val="black"/>
                 </a:solidFill>
                 <a:cs typeface="Calibri"/>
               </a:rPr>
-              <a:t>Creating </a:t>
-            </a:r>
-            <a:r>
-              <a:rPr lang="en-US" dirty="0" err="1">
-                <a:solidFill>
-                  <a:prstClr val="black"/>
-                </a:solidFill>
-                <a:cs typeface="Calibri"/>
-              </a:rPr>
-              <a:t>Payslips</a:t>
-            </a:r>
-            <a:r>
-              <a:rPr lang="en-US" dirty="0">
-                <a:solidFill>
-                  <a:prstClr val="black"/>
-                </a:solidFill>
-                <a:cs typeface="Calibri"/>
-              </a:rPr>
-              <a:t> Batches</a:t>
-            </a:r>
-            <a:r>
-              <a:rPr lang="en-US" sz="1500" dirty="0">
-                <a:solidFill>
-                  <a:prstClr val="black"/>
-                </a:solidFill>
-                <a:cs typeface="Calibri"/>
-              </a:rPr>
-              <a:t>	</a:t>
-            </a:r>
+              <a:t>Batch Payslip</a:t>
+            </a:r>
+            <a:endParaRPr lang="en-US" sz="1500" dirty="0">
+              <a:solidFill>
+                <a:prstClr val="black"/>
+              </a:solidFill>
+              <a:cs typeface="Calibri"/>
+            </a:endParaRPr>
           </a:p>
         </p:txBody>
       </p:sp>
@@ -6857,7 +6923,15 @@
                   <a:srgbClr val="A14688"/>
                 </a:solidFill>
               </a:rPr>
-              <a:t>Contribution Registers</a:t>
+              <a:t>Contribution </a:t>
+            </a:r>
+            <a:r>
+              <a:rPr lang="en-US" sz="2800" spc="-4" dirty="0" smtClean="0">
+                <a:solidFill>
+                  <a:srgbClr val="A14688"/>
+                </a:solidFill>
+              </a:rPr>
+              <a:t>Register</a:t>
             </a:r>
             <a:endParaRPr sz="2800" dirty="0">
               <a:solidFill>
@@ -8893,7 +8967,15 @@
                   <a:srgbClr val="A6A6A6"/>
                 </a:solidFill>
               </a:rPr>
-              <a:t>Create Contribution Registers </a:t>
+              <a:t>Create Contribution </a:t>
+            </a:r>
+            <a:r>
+              <a:rPr lang="en-US" sz="3000" spc="-4" dirty="0" smtClean="0">
+                <a:solidFill>
+                  <a:srgbClr val="A6A6A6"/>
+                </a:solidFill>
+              </a:rPr>
+              <a:t>Register </a:t>
             </a:r>
             <a:endParaRPr sz="3000" dirty="0"/>
           </a:p>
@@ -10963,8 +11045,8 @@
         </p:nvSpPr>
         <p:spPr>
           <a:xfrm>
-            <a:off x="1006872" y="2511252"/>
-            <a:ext cx="7130256" cy="692497"/>
+            <a:off x="1341636" y="2511252"/>
+            <a:ext cx="6460728" cy="692497"/>
           </a:xfrm>
           <a:prstGeom prst="rect">
             <a:avLst/>
@@ -11004,7 +11086,16 @@
                 </a:solidFill>
                 <a:cs typeface="Calibri"/>
               </a:rPr>
-              <a:t>Salary Rule Categories</a:t>
+              <a:t>Salary Rule </a:t>
+            </a:r>
+            <a:r>
+              <a:rPr lang="en-US" sz="2800" dirty="0" smtClean="0">
+                <a:solidFill>
+                  <a:srgbClr val="A14688"/>
+                </a:solidFill>
+                <a:cs typeface="Calibri"/>
+              </a:rPr>
+              <a:t>Category</a:t>
             </a:r>
             <a:endParaRPr sz="2800" dirty="0">
               <a:solidFill>
